--- a/SlideDeck.pptx
+++ b/SlideDeck.pptx
@@ -13,12 +13,13 @@
     <p:sldId id="261" r:id="rId7"/>
     <p:sldId id="262" r:id="rId8"/>
     <p:sldId id="263" r:id="rId9"/>
-    <p:sldId id="267" r:id="rId10"/>
-    <p:sldId id="264" r:id="rId11"/>
-    <p:sldId id="265" r:id="rId12"/>
-    <p:sldId id="268" r:id="rId13"/>
-    <p:sldId id="269" r:id="rId14"/>
-    <p:sldId id="270" r:id="rId15"/>
+    <p:sldId id="271" r:id="rId10"/>
+    <p:sldId id="267" r:id="rId11"/>
+    <p:sldId id="264" r:id="rId12"/>
+    <p:sldId id="265" r:id="rId13"/>
+    <p:sldId id="268" r:id="rId14"/>
+    <p:sldId id="269" r:id="rId15"/>
+    <p:sldId id="270" r:id="rId16"/>
   </p:sldIdLst>
   <p:sldSz cx="9144000" cy="6858000" type="screen4x3"/>
   <p:notesSz cx="6858000" cy="9144000"/>
@@ -293,7 +294,7 @@
           <a:p>
             <a:fld id="{4EEEF146-EBAC-404C-94BB-32F56CBFFB39}" type="datetimeFigureOut">
               <a:rPr lang="en-US" smtClean="0"/>
-              <a:t>3/8/2018</a:t>
+              <a:t>3/21/2018</a:t>
             </a:fld>
             <a:endParaRPr lang="en-US"/>
           </a:p>
@@ -458,7 +459,7 @@
           <a:p>
             <a:fld id="{4EEEF146-EBAC-404C-94BB-32F56CBFFB39}" type="datetimeFigureOut">
               <a:rPr lang="en-US" smtClean="0"/>
-              <a:t>3/8/2018</a:t>
+              <a:t>3/21/2018</a:t>
             </a:fld>
             <a:endParaRPr lang="en-US"/>
           </a:p>
@@ -633,7 +634,7 @@
           <a:p>
             <a:fld id="{4EEEF146-EBAC-404C-94BB-32F56CBFFB39}" type="datetimeFigureOut">
               <a:rPr lang="en-US" smtClean="0"/>
-              <a:t>3/8/2018</a:t>
+              <a:t>3/21/2018</a:t>
             </a:fld>
             <a:endParaRPr lang="en-US"/>
           </a:p>
@@ -798,7 +799,7 @@
           <a:p>
             <a:fld id="{4EEEF146-EBAC-404C-94BB-32F56CBFFB39}" type="datetimeFigureOut">
               <a:rPr lang="en-US" smtClean="0"/>
-              <a:t>3/8/2018</a:t>
+              <a:t>3/21/2018</a:t>
             </a:fld>
             <a:endParaRPr lang="en-US"/>
           </a:p>
@@ -1040,7 +1041,7 @@
           <a:p>
             <a:fld id="{4EEEF146-EBAC-404C-94BB-32F56CBFFB39}" type="datetimeFigureOut">
               <a:rPr lang="en-US" smtClean="0"/>
-              <a:t>3/8/2018</a:t>
+              <a:t>3/21/2018</a:t>
             </a:fld>
             <a:endParaRPr lang="en-US"/>
           </a:p>
@@ -1304,7 +1305,7 @@
           <a:p>
             <a:fld id="{4EEEF146-EBAC-404C-94BB-32F56CBFFB39}" type="datetimeFigureOut">
               <a:rPr lang="en-US" smtClean="0"/>
-              <a:t>3/8/2018</a:t>
+              <a:t>3/21/2018</a:t>
             </a:fld>
             <a:endParaRPr lang="en-US"/>
           </a:p>
@@ -1682,7 +1683,7 @@
           <a:p>
             <a:fld id="{4EEEF146-EBAC-404C-94BB-32F56CBFFB39}" type="datetimeFigureOut">
               <a:rPr lang="en-US" smtClean="0"/>
-              <a:t>3/8/2018</a:t>
+              <a:t>3/21/2018</a:t>
             </a:fld>
             <a:endParaRPr lang="en-US"/>
           </a:p>
@@ -1832,7 +1833,7 @@
           <a:p>
             <a:fld id="{4EEEF146-EBAC-404C-94BB-32F56CBFFB39}" type="datetimeFigureOut">
               <a:rPr lang="en-US" smtClean="0"/>
-              <a:t>3/8/2018</a:t>
+              <a:t>3/21/2018</a:t>
             </a:fld>
             <a:endParaRPr lang="en-US"/>
           </a:p>
@@ -1922,7 +1923,7 @@
           <a:p>
             <a:fld id="{4EEEF146-EBAC-404C-94BB-32F56CBFFB39}" type="datetimeFigureOut">
               <a:rPr lang="en-US" smtClean="0"/>
-              <a:t>3/8/2018</a:t>
+              <a:t>3/21/2018</a:t>
             </a:fld>
             <a:endParaRPr lang="en-US"/>
           </a:p>
@@ -2183,7 +2184,7 @@
           <a:p>
             <a:fld id="{4EEEF146-EBAC-404C-94BB-32F56CBFFB39}" type="datetimeFigureOut">
               <a:rPr lang="en-US" smtClean="0"/>
-              <a:t>3/8/2018</a:t>
+              <a:t>3/21/2018</a:t>
             </a:fld>
             <a:endParaRPr lang="en-US"/>
           </a:p>
@@ -2471,7 +2472,7 @@
           <a:p>
             <a:fld id="{4EEEF146-EBAC-404C-94BB-32F56CBFFB39}" type="datetimeFigureOut">
               <a:rPr lang="en-US" smtClean="0"/>
-              <a:t>3/8/2018</a:t>
+              <a:t>3/21/2018</a:t>
             </a:fld>
             <a:endParaRPr lang="en-US"/>
           </a:p>
@@ -3242,7 +3243,7 @@
           <a:p>
             <a:fld id="{4EEEF146-EBAC-404C-94BB-32F56CBFFB39}" type="datetimeFigureOut">
               <a:rPr lang="en-US" smtClean="0"/>
-              <a:t>3/8/2018</a:t>
+              <a:t>3/21/2018</a:t>
             </a:fld>
             <a:endParaRPr lang="en-US"/>
           </a:p>
@@ -4017,6 +4018,224 @@
         </p:nvSpPr>
         <p:spPr>
           <a:xfrm>
+            <a:off x="457200" y="704088"/>
+            <a:ext cx="8229600" cy="819912"/>
+          </a:xfrm>
+        </p:spPr>
+        <p:txBody>
+          <a:bodyPr/>
+          <a:lstStyle/>
+          <a:p>
+            <a:r>
+              <a:rPr lang="en-US" dirty="0" smtClean="0"/>
+              <a:t>Analysis – Confusion Matrices </a:t>
+            </a:r>
+            <a:endParaRPr lang="en-US" dirty="0"/>
+          </a:p>
+        </p:txBody>
+      </p:sp>
+      <p:sp>
+        <p:nvSpPr>
+          <p:cNvPr id="6" name="Rectangle 5"/>
+          <p:cNvSpPr/>
+          <p:nvPr/>
+        </p:nvSpPr>
+        <p:spPr>
+          <a:xfrm>
+            <a:off x="1664974" y="1828800"/>
+            <a:ext cx="1148071" cy="369332"/>
+          </a:xfrm>
+          <a:prstGeom prst="rect">
+            <a:avLst/>
+          </a:prstGeom>
+        </p:spPr>
+        <p:txBody>
+          <a:bodyPr wrap="none">
+            <a:spAutoFit/>
+          </a:bodyPr>
+          <a:lstStyle/>
+          <a:p>
+            <a:pPr lvl="0" eaLnBrk="0" fontAlgn="base" hangingPunct="0">
+              <a:spcBef>
+                <a:spcPct val="0"/>
+              </a:spcBef>
+              <a:spcAft>
+                <a:spcPct val="0"/>
+              </a:spcAft>
+            </a:pPr>
+            <a:r>
+              <a:rPr kumimoji="0" lang="en-US" altLang="en-US" b="0" i="0" u="none" strike="noStrike" cap="none" normalizeH="0" baseline="0" dirty="0" smtClean="0">
+                <a:ln>
+                  <a:noFill/>
+                </a:ln>
+                <a:solidFill>
+                  <a:schemeClr val="tx1"/>
+                </a:solidFill>
+                <a:effectLst/>
+                <a:latin typeface="Calibri" pitchFamily="34" charset="0"/>
+                <a:ea typeface="Calibri" pitchFamily="34" charset="0"/>
+                <a:cs typeface="Times New Roman" pitchFamily="18" charset="0"/>
+              </a:rPr>
+              <a:t>Combined</a:t>
+            </a:r>
+            <a:endParaRPr kumimoji="0" lang="en-US" altLang="en-US" sz="1100" b="0" i="0" u="none" strike="noStrike" cap="none" normalizeH="0" baseline="0" dirty="0" smtClean="0">
+              <a:ln>
+                <a:noFill/>
+              </a:ln>
+              <a:solidFill>
+                <a:schemeClr val="tx1"/>
+              </a:solidFill>
+              <a:effectLst/>
+              <a:latin typeface="Arial" pitchFamily="34" charset="0"/>
+              <a:cs typeface="Arial" pitchFamily="34" charset="0"/>
+            </a:endParaRPr>
+          </a:p>
+        </p:txBody>
+      </p:sp>
+      <p:sp>
+        <p:nvSpPr>
+          <p:cNvPr id="7" name="Rectangle 6"/>
+          <p:cNvSpPr/>
+          <p:nvPr/>
+        </p:nvSpPr>
+        <p:spPr>
+          <a:xfrm>
+            <a:off x="6705600" y="1828800"/>
+            <a:ext cx="838691" cy="369332"/>
+          </a:xfrm>
+          <a:prstGeom prst="rect">
+            <a:avLst/>
+          </a:prstGeom>
+        </p:spPr>
+        <p:txBody>
+          <a:bodyPr wrap="none">
+            <a:spAutoFit/>
+          </a:bodyPr>
+          <a:lstStyle/>
+          <a:p>
+            <a:pPr lvl="0" fontAlgn="base">
+              <a:spcBef>
+                <a:spcPct val="0"/>
+              </a:spcBef>
+              <a:spcAft>
+                <a:spcPct val="0"/>
+              </a:spcAft>
+            </a:pPr>
+            <a:r>
+              <a:rPr kumimoji="0" lang="en-US" altLang="en-US" b="0" i="0" u="none" strike="noStrike" cap="none" normalizeH="0" baseline="0" dirty="0" smtClean="0">
+                <a:ln>
+                  <a:noFill/>
+                </a:ln>
+                <a:solidFill>
+                  <a:schemeClr val="tx1"/>
+                </a:solidFill>
+                <a:effectLst/>
+                <a:latin typeface="Calibri" pitchFamily="34" charset="0"/>
+                <a:ea typeface="Calibri" pitchFamily="34" charset="0"/>
+                <a:cs typeface="Times New Roman" pitchFamily="18" charset="0"/>
+              </a:rPr>
+              <a:t>CNN*4</a:t>
+            </a:r>
+            <a:endParaRPr kumimoji="0" lang="en-US" altLang="en-US" sz="1100" b="0" i="0" u="none" strike="noStrike" cap="none" normalizeH="0" baseline="0" dirty="0" smtClean="0">
+              <a:ln>
+                <a:noFill/>
+              </a:ln>
+              <a:solidFill>
+                <a:schemeClr val="tx1"/>
+              </a:solidFill>
+              <a:effectLst/>
+              <a:latin typeface="Arial" pitchFamily="34" charset="0"/>
+              <a:cs typeface="Arial" pitchFamily="34" charset="0"/>
+            </a:endParaRPr>
+          </a:p>
+        </p:txBody>
+      </p:sp>
+      <p:pic>
+        <p:nvPicPr>
+          <p:cNvPr id="9" name="Picture 8"/>
+          <p:cNvPicPr/>
+          <p:nvPr/>
+        </p:nvPicPr>
+        <p:blipFill>
+          <a:blip r:embed="rId2"/>
+          <a:stretch>
+            <a:fillRect/>
+          </a:stretch>
+        </p:blipFill>
+        <p:spPr>
+          <a:xfrm>
+            <a:off x="0" y="2438400"/>
+            <a:ext cx="4532266" cy="4065496"/>
+          </a:xfrm>
+          <a:prstGeom prst="rect">
+            <a:avLst/>
+          </a:prstGeom>
+        </p:spPr>
+      </p:pic>
+      <p:pic>
+        <p:nvPicPr>
+          <p:cNvPr id="12" name="Picture 11"/>
+          <p:cNvPicPr/>
+          <p:nvPr/>
+        </p:nvPicPr>
+        <p:blipFill>
+          <a:blip r:embed="rId3"/>
+          <a:stretch>
+            <a:fillRect/>
+          </a:stretch>
+        </p:blipFill>
+        <p:spPr>
+          <a:xfrm>
+            <a:off x="4572000" y="2438400"/>
+            <a:ext cx="4572000" cy="4065496"/>
+          </a:xfrm>
+          <a:prstGeom prst="rect">
+            <a:avLst/>
+          </a:prstGeom>
+        </p:spPr>
+      </p:pic>
+    </p:spTree>
+    <p:extLst>
+      <p:ext uri="{BB962C8B-B14F-4D97-AF65-F5344CB8AC3E}">
+        <p14:creationId xmlns:p14="http://schemas.microsoft.com/office/powerpoint/2010/main" val="4160717309"/>
+      </p:ext>
+    </p:extLst>
+  </p:cSld>
+  <p:clrMapOvr>
+    <a:masterClrMapping/>
+  </p:clrMapOvr>
+</p:sld>
+</file>
+
+<file path=ppt/slides/slide11.xml><?xml version="1.0" encoding="utf-8"?>
+<p:sld xmlns:a="http://schemas.openxmlformats.org/drawingml/2006/main" xmlns:r="http://schemas.openxmlformats.org/officeDocument/2006/relationships" xmlns:p="http://schemas.openxmlformats.org/presentationml/2006/main">
+  <p:cSld>
+    <p:spTree>
+      <p:nvGrpSpPr>
+        <p:cNvPr id="1" name=""/>
+        <p:cNvGrpSpPr/>
+        <p:nvPr/>
+      </p:nvGrpSpPr>
+      <p:grpSpPr>
+        <a:xfrm>
+          <a:off x="0" y="0"/>
+          <a:ext cx="0" cy="0"/>
+          <a:chOff x="0" y="0"/>
+          <a:chExt cx="0" cy="0"/>
+        </a:xfrm>
+      </p:grpSpPr>
+      <p:sp>
+        <p:nvSpPr>
+          <p:cNvPr id="2" name="Title 1"/>
+          <p:cNvSpPr>
+            <a:spLocks noGrp="1"/>
+          </p:cNvSpPr>
+          <p:nvPr>
+            <p:ph type="title"/>
+          </p:nvPr>
+        </p:nvSpPr>
+        <p:spPr>
+          <a:xfrm>
             <a:off x="609600" y="609600"/>
             <a:ext cx="3810000" cy="1008888"/>
           </a:xfrm>
@@ -4098,7 +4317,7 @@
 </p:sld>
 </file>
 
-<file path=ppt/slides/slide11.xml><?xml version="1.0" encoding="utf-8"?>
+<file path=ppt/slides/slide12.xml><?xml version="1.0" encoding="utf-8"?>
 <p:sld xmlns:a="http://schemas.openxmlformats.org/drawingml/2006/main" xmlns:r="http://schemas.openxmlformats.org/officeDocument/2006/relationships" xmlns:p="http://schemas.openxmlformats.org/presentationml/2006/main">
   <p:cSld>
     <p:spTree>
@@ -4821,7 +5040,7 @@
 </p:sld>
 </file>
 
-<file path=ppt/slides/slide12.xml><?xml version="1.0" encoding="utf-8"?>
+<file path=ppt/slides/slide13.xml><?xml version="1.0" encoding="utf-8"?>
 <p:sld xmlns:a="http://schemas.openxmlformats.org/drawingml/2006/main" xmlns:r="http://schemas.openxmlformats.org/officeDocument/2006/relationships" xmlns:p="http://schemas.openxmlformats.org/presentationml/2006/main">
   <p:cSld>
     <p:spTree>
@@ -5204,7 +5423,7 @@
 </p:sld>
 </file>
 
-<file path=ppt/slides/slide13.xml><?xml version="1.0" encoding="utf-8"?>
+<file path=ppt/slides/slide14.xml><?xml version="1.0" encoding="utf-8"?>
 <p:sld xmlns:a="http://schemas.openxmlformats.org/drawingml/2006/main" xmlns:r="http://schemas.openxmlformats.org/officeDocument/2006/relationships" xmlns:p="http://schemas.openxmlformats.org/presentationml/2006/main">
   <p:cSld>
     <p:spTree>
@@ -5428,7 +5647,7 @@
 </p:sld>
 </file>
 
-<file path=ppt/slides/slide14.xml><?xml version="1.0" encoding="utf-8"?>
+<file path=ppt/slides/slide15.xml><?xml version="1.0" encoding="utf-8"?>
 <p:sld xmlns:a="http://schemas.openxmlformats.org/drawingml/2006/main" xmlns:r="http://schemas.openxmlformats.org/officeDocument/2006/relationships" xmlns:p="http://schemas.openxmlformats.org/presentationml/2006/main">
   <p:cSld>
     <p:spTree>
@@ -6879,14 +7098,12 @@
               <a:rPr lang="en-US" dirty="0" smtClean="0"/>
               <a:t>Make the range of values fill and be between 0-1</a:t>
             </a:r>
-            <a:endParaRPr lang="en-US" dirty="0" smtClean="0"/>
           </a:p>
           <a:p>
             <a:r>
               <a:rPr lang="en-US" dirty="0" smtClean="0"/>
               <a:t>Standardization </a:t>
             </a:r>
-            <a:endParaRPr lang="en-US" dirty="0" smtClean="0"/>
           </a:p>
           <a:p>
             <a:pPr lvl="1"/>
@@ -7097,15 +7314,28 @@
           </a:p>
           <a:p>
             <a:r>
-              <a:rPr lang="en-US" dirty="0" smtClean="0"/>
+              <a:rPr lang="en-US" dirty="0"/>
               <a:t>Ensemble the above models (Random Forest with 20 trees):</a:t>
             </a:r>
           </a:p>
           <a:p>
             <a:pPr lvl="1"/>
             <a:r>
-              <a:rPr lang="en-US" dirty="0" smtClean="0"/>
-              <a:t>86.47% accuracy</a:t>
+              <a:rPr lang="en-US" dirty="0"/>
+              <a:t>90.56% accuracy</a:t>
+            </a:r>
+          </a:p>
+          <a:p>
+            <a:r>
+              <a:rPr lang="en-US" dirty="0"/>
+              <a:t>Ensemble the above models (Random Forest with 20 trees):</a:t>
+            </a:r>
+          </a:p>
+          <a:p>
+            <a:pPr lvl="1"/>
+            <a:r>
+              <a:rPr lang="en-US" dirty="0"/>
+              <a:t>91.25% accuracy</a:t>
             </a:r>
           </a:p>
           <a:p>
@@ -7159,537 +7389,270 @@
       </p:grpSpPr>
       <p:sp>
         <p:nvSpPr>
-          <p:cNvPr id="2" name="Title 1"/>
-          <p:cNvSpPr>
-            <a:spLocks noGrp="1"/>
-          </p:cNvSpPr>
-          <p:nvPr>
-            <p:ph type="title"/>
-          </p:nvPr>
+          <p:cNvPr id="4" name="Title 1"/>
+          <p:cNvSpPr txBox="1">
+            <a:spLocks/>
+          </p:cNvSpPr>
+          <p:nvPr/>
         </p:nvSpPr>
         <p:spPr>
           <a:xfrm>
-            <a:off x="457200" y="704088"/>
-            <a:ext cx="8229600" cy="819912"/>
-          </a:xfrm>
-        </p:spPr>
-        <p:txBody>
-          <a:bodyPr/>
-          <a:lstStyle/>
-          <a:p>
-            <a:r>
-              <a:rPr lang="en-US" dirty="0" smtClean="0"/>
-              <a:t>Analysis – Confusion Matrices </a:t>
-            </a:r>
-            <a:endParaRPr lang="en-US" dirty="0"/>
-          </a:p>
-        </p:txBody>
-      </p:sp>
-      <p:sp>
-        <p:nvSpPr>
-          <p:cNvPr id="3" name="Content Placeholder 2"/>
-          <p:cNvSpPr>
-            <a:spLocks noGrp="1"/>
-          </p:cNvSpPr>
-          <p:nvPr>
-            <p:ph idx="1"/>
-          </p:nvPr>
-        </p:nvSpPr>
-        <p:spPr>
-          <a:xfrm>
-            <a:off x="457200" y="2514600"/>
-            <a:ext cx="8229600" cy="3810000"/>
-          </a:xfrm>
-        </p:spPr>
-        <p:txBody>
-          <a:bodyPr/>
-          <a:lstStyle/>
-          <a:p>
-            <a:pPr marL="0" lvl="0" indent="0" algn="ctr" fontAlgn="base">
+            <a:off x="914400" y="533400"/>
+            <a:ext cx="7467600" cy="838200"/>
+          </a:xfrm>
+          <a:prstGeom prst="rect">
+            <a:avLst/>
+          </a:prstGeom>
+        </p:spPr>
+        <p:txBody>
+          <a:bodyPr vert="horz" lIns="0" rIns="0" bIns="0" anchor="b">
+            <a:normAutofit/>
+          </a:bodyPr>
+          <a:lstStyle>
+            <a:lvl1pPr algn="l" rtl="0" eaLnBrk="1" latinLnBrk="0" hangingPunct="1">
               <a:spcBef>
                 <a:spcPct val="0"/>
               </a:spcBef>
-              <a:spcAft>
-                <a:spcPct val="0"/>
-              </a:spcAft>
-              <a:buClrTx/>
-              <a:buSzTx/>
               <a:buNone/>
-            </a:pPr>
-            <a:r>
-              <a:rPr lang="en-US" altLang="en-US" sz="2800" dirty="0">
-                <a:latin typeface="Calibri" pitchFamily="34" charset="0"/>
-                <a:ea typeface="Calibri" pitchFamily="34" charset="0"/>
-                <a:cs typeface="Times New Roman" pitchFamily="18" charset="0"/>
-              </a:rPr>
-              <a:t>X – Predicted</a:t>
-            </a:r>
-            <a:endParaRPr lang="en-US" altLang="en-US" sz="1600" dirty="0">
-              <a:latin typeface="Arial" pitchFamily="34" charset="0"/>
-              <a:cs typeface="Arial" pitchFamily="34" charset="0"/>
-            </a:endParaRPr>
-          </a:p>
-          <a:p>
-            <a:pPr marL="0" lvl="0" indent="0" algn="ctr" eaLnBrk="0" fontAlgn="base" hangingPunct="0">
-              <a:spcBef>
-                <a:spcPct val="0"/>
-              </a:spcBef>
-              <a:spcAft>
-                <a:spcPct val="0"/>
-              </a:spcAft>
-              <a:buClrTx/>
-              <a:buSzTx/>
-              <a:buNone/>
-            </a:pPr>
-            <a:r>
-              <a:rPr lang="en-US" altLang="en-US" sz="2800" dirty="0">
-                <a:latin typeface="Calibri" pitchFamily="34" charset="0"/>
-                <a:ea typeface="Calibri" pitchFamily="34" charset="0"/>
-                <a:cs typeface="Times New Roman" pitchFamily="18" charset="0"/>
-              </a:rPr>
-              <a:t>Y – Actual (top is </a:t>
-            </a:r>
-            <a:r>
-              <a:rPr lang="en-US" altLang="en-US" sz="2800" dirty="0" smtClean="0">
-                <a:latin typeface="Calibri" pitchFamily="34" charset="0"/>
-                <a:ea typeface="Calibri" pitchFamily="34" charset="0"/>
-                <a:cs typeface="Times New Roman" pitchFamily="18" charset="0"/>
-              </a:rPr>
-              <a:t>0) Combined</a:t>
-            </a:r>
-            <a:endParaRPr lang="en-US" altLang="en-US" sz="1600" dirty="0">
-              <a:latin typeface="Arial" pitchFamily="34" charset="0"/>
-              <a:cs typeface="Arial" pitchFamily="34" charset="0"/>
-            </a:endParaRPr>
-          </a:p>
-          <a:p>
+              <a:defRPr kumimoji="0" sz="5000" b="0" kern="1200">
+                <a:ln>
+                  <a:noFill/>
+                </a:ln>
+                <a:solidFill>
+                  <a:schemeClr val="tx2"/>
+                </a:solidFill>
+                <a:effectLst/>
+                <a:latin typeface="+mj-lt"/>
+                <a:ea typeface="+mj-ea"/>
+                <a:cs typeface="+mj-cs"/>
+              </a:defRPr>
+            </a:lvl1pPr>
+          </a:lstStyle>
+          <a:p>
+            <a:r>
+              <a:rPr lang="en-US" dirty="0" smtClean="0"/>
+              <a:t>Analysis- Precision/Recall</a:t>
+            </a:r>
             <a:endParaRPr lang="en-US" dirty="0"/>
           </a:p>
         </p:txBody>
       </p:sp>
       <p:pic>
         <p:nvPicPr>
-          <p:cNvPr id="3074" name="Picture 26"/>
-          <p:cNvPicPr>
-            <a:picLocks noChangeAspect="1" noChangeArrowheads="1"/>
-          </p:cNvPicPr>
+          <p:cNvPr id="5" name="Picture 4"/>
+          <p:cNvPicPr/>
           <p:nvPr/>
         </p:nvPicPr>
         <p:blipFill>
-          <a:blip r:embed="rId2">
-            <a:extLst>
-              <a:ext uri="{28A0092B-C50C-407E-A947-70E740481C1C}">
-                <a14:useLocalDpi xmlns:a14="http://schemas.microsoft.com/office/drawing/2010/main" val="0"/>
-              </a:ext>
-            </a:extLst>
-          </a:blip>
-          <a:srcRect/>
+          <a:blip r:embed="rId2"/>
           <a:stretch>
             <a:fillRect/>
           </a:stretch>
         </p:blipFill>
-        <p:spPr bwMode="auto">
-          <a:xfrm>
-            <a:off x="32657" y="4648200"/>
-            <a:ext cx="3695700" cy="1581150"/>
+        <p:spPr>
+          <a:xfrm>
+            <a:off x="197708" y="1688928"/>
+            <a:ext cx="3943350" cy="2409825"/>
+          </a:xfrm>
+          <a:prstGeom prst="rect">
+            <a:avLst/>
+          </a:prstGeom>
+        </p:spPr>
+      </p:pic>
+      <p:pic>
+        <p:nvPicPr>
+          <p:cNvPr id="6" name="Picture 5"/>
+          <p:cNvPicPr/>
+          <p:nvPr/>
+        </p:nvPicPr>
+        <p:blipFill>
+          <a:blip r:embed="rId3"/>
+          <a:stretch>
+            <a:fillRect/>
+          </a:stretch>
+        </p:blipFill>
+        <p:spPr>
+          <a:xfrm>
+            <a:off x="4953000" y="1698452"/>
+            <a:ext cx="3943350" cy="2390775"/>
+          </a:xfrm>
+          <a:prstGeom prst="rect">
+            <a:avLst/>
+          </a:prstGeom>
+        </p:spPr>
+      </p:pic>
+      <p:pic>
+        <p:nvPicPr>
+          <p:cNvPr id="7" name="Picture 6"/>
+          <p:cNvPicPr/>
+          <p:nvPr/>
+        </p:nvPicPr>
+        <p:blipFill>
+          <a:blip r:embed="rId4"/>
+          <a:stretch>
+            <a:fillRect/>
+          </a:stretch>
+        </p:blipFill>
+        <p:spPr>
+          <a:xfrm>
+            <a:off x="197706" y="4434788"/>
+            <a:ext cx="3933825" cy="2381250"/>
+          </a:xfrm>
+          <a:prstGeom prst="rect">
+            <a:avLst/>
+          </a:prstGeom>
+        </p:spPr>
+      </p:pic>
+      <p:pic>
+        <p:nvPicPr>
+          <p:cNvPr id="8" name="Picture 7"/>
+          <p:cNvPicPr/>
+          <p:nvPr/>
+        </p:nvPicPr>
+        <p:blipFill>
+          <a:blip r:embed="rId5"/>
+          <a:stretch>
+            <a:fillRect/>
+          </a:stretch>
+        </p:blipFill>
+        <p:spPr>
+          <a:xfrm>
+            <a:off x="4953000" y="4428610"/>
+            <a:ext cx="4019550" cy="2428875"/>
+          </a:xfrm>
+          <a:prstGeom prst="rect">
+            <a:avLst/>
+          </a:prstGeom>
+        </p:spPr>
+      </p:pic>
+      <p:sp>
+        <p:nvSpPr>
+          <p:cNvPr id="2" name="TextBox 1"/>
+          <p:cNvSpPr txBox="1"/>
+          <p:nvPr/>
+        </p:nvSpPr>
+        <p:spPr>
+          <a:xfrm>
+            <a:off x="4953000" y="4072324"/>
+            <a:ext cx="4019550" cy="381000"/>
           </a:xfrm>
           <a:prstGeom prst="rect">
             <a:avLst/>
           </a:prstGeom>
           <a:noFill/>
-          <a:extLst>
-            <a:ext uri="{909E8E84-426E-40DD-AFC4-6F175D3DCCD1}">
-              <a14:hiddenFill xmlns:a14="http://schemas.microsoft.com/office/drawing/2010/main">
-                <a:solidFill>
-                  <a:srgbClr val="FFFFFF"/>
-                </a:solidFill>
-              </a14:hiddenFill>
-            </a:ext>
-          </a:extLst>
-        </p:spPr>
-      </p:pic>
-      <p:pic>
-        <p:nvPicPr>
-          <p:cNvPr id="3073" name="Picture 31"/>
-          <p:cNvPicPr>
-            <a:picLocks noChangeAspect="1" noChangeArrowheads="1"/>
-          </p:cNvPicPr>
+        </p:spPr>
+        <p:txBody>
+          <a:bodyPr wrap="square" rtlCol="0">
+            <a:spAutoFit/>
+          </a:bodyPr>
+          <a:lstStyle/>
+          <a:p>
+            <a:pPr algn="ctr"/>
+            <a:r>
+              <a:rPr lang="en-US" dirty="0" smtClean="0"/>
+              <a:t>CNN</a:t>
+            </a:r>
+            <a:endParaRPr lang="en-US" dirty="0"/>
+          </a:p>
+        </p:txBody>
+      </p:sp>
+      <p:sp>
+        <p:nvSpPr>
+          <p:cNvPr id="9" name="TextBox 8"/>
+          <p:cNvSpPr txBox="1"/>
           <p:nvPr/>
-        </p:nvPicPr>
-        <p:blipFill>
-          <a:blip r:embed="rId3">
-            <a:extLst>
-              <a:ext uri="{28A0092B-C50C-407E-A947-70E740481C1C}">
-                <a14:useLocalDpi xmlns:a14="http://schemas.microsoft.com/office/drawing/2010/main" val="0"/>
-              </a:ext>
-            </a:extLst>
-          </a:blip>
-          <a:srcRect/>
-          <a:stretch>
-            <a:fillRect/>
-          </a:stretch>
-        </p:blipFill>
-        <p:spPr bwMode="auto">
-          <a:xfrm>
-            <a:off x="5467350" y="4657725"/>
-            <a:ext cx="3676650" cy="1571625"/>
+        </p:nvSpPr>
+        <p:spPr>
+          <a:xfrm>
+            <a:off x="197707" y="4078158"/>
+            <a:ext cx="3933825" cy="369332"/>
           </a:xfrm>
           <a:prstGeom prst="rect">
             <a:avLst/>
           </a:prstGeom>
           <a:noFill/>
-          <a:extLst>
-            <a:ext uri="{909E8E84-426E-40DD-AFC4-6F175D3DCCD1}">
-              <a14:hiddenFill xmlns:a14="http://schemas.microsoft.com/office/drawing/2010/main">
-                <a:solidFill>
-                  <a:srgbClr val="FFFFFF"/>
-                </a:solidFill>
-              </a14:hiddenFill>
-            </a:ext>
-          </a:extLst>
-        </p:spPr>
-      </p:pic>
-      <p:sp>
-        <p:nvSpPr>
-          <p:cNvPr id="4" name="Rectangle 3"/>
-          <p:cNvSpPr>
-            <a:spLocks noChangeArrowheads="1"/>
-          </p:cNvSpPr>
+        </p:spPr>
+        <p:txBody>
+          <a:bodyPr wrap="square" rtlCol="0">
+            <a:spAutoFit/>
+          </a:bodyPr>
+          <a:lstStyle/>
+          <a:p>
+            <a:pPr algn="ctr"/>
+            <a:r>
+              <a:rPr lang="en-US" dirty="0" smtClean="0"/>
+              <a:t>Logistic Regression</a:t>
+            </a:r>
+            <a:endParaRPr lang="en-US" dirty="0"/>
+          </a:p>
+        </p:txBody>
+      </p:sp>
+      <p:sp>
+        <p:nvSpPr>
+          <p:cNvPr id="10" name="TextBox 9"/>
+          <p:cNvSpPr txBox="1"/>
           <p:nvPr/>
         </p:nvSpPr>
-        <p:spPr bwMode="auto">
-          <a:xfrm>
-            <a:off x="0" y="0"/>
-            <a:ext cx="9144000" cy="457200"/>
+        <p:spPr>
+          <a:xfrm>
+            <a:off x="4953000" y="1307928"/>
+            <a:ext cx="3943350" cy="381000"/>
           </a:xfrm>
           <a:prstGeom prst="rect">
             <a:avLst/>
           </a:prstGeom>
           <a:noFill/>
-          <a:ln>
-            <a:noFill/>
-          </a:ln>
-          <a:effectLst/>
-          <a:extLst>
-            <a:ext uri="{909E8E84-426E-40DD-AFC4-6F175D3DCCD1}">
-              <a14:hiddenFill xmlns:a14="http://schemas.microsoft.com/office/drawing/2010/main">
-                <a:solidFill>
-                  <a:schemeClr val="accent1"/>
-                </a:solidFill>
-              </a14:hiddenFill>
-            </a:ext>
-            <a:ext uri="{91240B29-F687-4F45-9708-019B960494DF}">
-              <a14:hiddenLine xmlns:a14="http://schemas.microsoft.com/office/drawing/2010/main" w="9525">
-                <a:solidFill>
-                  <a:schemeClr val="tx1"/>
-                </a:solidFill>
-                <a:miter lim="800000"/>
-                <a:headEnd/>
-                <a:tailEnd/>
-              </a14:hiddenLine>
-            </a:ext>
-            <a:ext uri="{AF507438-7753-43E0-B8FC-AC1667EBCBE1}">
-              <a14:hiddenEffects xmlns:a14="http://schemas.microsoft.com/office/drawing/2010/main">
-                <a:effectLst>
-                  <a:outerShdw dist="35921" dir="2700000" algn="ctr" rotWithShape="0">
-                    <a:schemeClr val="bg2"/>
-                  </a:outerShdw>
-                </a:effectLst>
-              </a14:hiddenEffects>
-            </a:ext>
-          </a:extLst>
-        </p:spPr>
-        <p:txBody>
-          <a:bodyPr vert="horz" wrap="none" lIns="91440" tIns="45720" rIns="91440" bIns="45720" numCol="1" anchor="ctr" anchorCtr="0" compatLnSpc="1">
-            <a:prstTxWarp prst="textNoShape">
-              <a:avLst/>
-            </a:prstTxWarp>
+        </p:spPr>
+        <p:txBody>
+          <a:bodyPr wrap="square" rtlCol="0">
             <a:spAutoFit/>
           </a:bodyPr>
           <a:lstStyle/>
           <a:p>
-            <a:pPr marL="0" marR="0" lvl="0" indent="0" algn="l" defTabSz="914400" rtl="0" eaLnBrk="1" fontAlgn="base" latinLnBrk="0" hangingPunct="1">
-              <a:lnSpc>
-                <a:spcPct val="100000"/>
-              </a:lnSpc>
-              <a:spcBef>
-                <a:spcPct val="0"/>
-              </a:spcBef>
-              <a:spcAft>
-                <a:spcPct val="0"/>
-              </a:spcAft>
-              <a:buClrTx/>
-              <a:buSzTx/>
-              <a:buFontTx/>
-              <a:buNone/>
-              <a:tabLst/>
-            </a:pPr>
-            <a:r>
-              <a:rPr kumimoji="0" lang="en-US" altLang="en-US" sz="1100" b="0" i="0" u="none" strike="noStrike" cap="none" normalizeH="0" baseline="0" dirty="0" smtClean="0">
-                <a:ln>
-                  <a:noFill/>
-                </a:ln>
-                <a:solidFill>
-                  <a:schemeClr val="tx1"/>
-                </a:solidFill>
-                <a:effectLst/>
-                <a:latin typeface="Calibri" pitchFamily="34" charset="0"/>
-                <a:ea typeface="Calibri" pitchFamily="34" charset="0"/>
-                <a:cs typeface="Times New Roman" pitchFamily="18" charset="0"/>
-              </a:rPr>
-              <a:t>X – Predicted</a:t>
-            </a:r>
-            <a:endParaRPr kumimoji="0" lang="en-US" altLang="en-US" sz="800" b="0" i="0" u="none" strike="noStrike" cap="none" normalizeH="0" baseline="0" dirty="0" smtClean="0">
-              <a:ln>
-                <a:noFill/>
-              </a:ln>
-              <a:solidFill>
-                <a:schemeClr val="tx1"/>
-              </a:solidFill>
-              <a:effectLst/>
-              <a:latin typeface="Arial" pitchFamily="34" charset="0"/>
-              <a:cs typeface="Arial" pitchFamily="34" charset="0"/>
-            </a:endParaRPr>
-          </a:p>
-          <a:p>
-            <a:pPr marL="0" marR="0" lvl="0" indent="0" algn="l" defTabSz="914400" rtl="0" eaLnBrk="0" fontAlgn="base" latinLnBrk="0" hangingPunct="0">
-              <a:lnSpc>
-                <a:spcPct val="100000"/>
-              </a:lnSpc>
-              <a:spcBef>
-                <a:spcPct val="0"/>
-              </a:spcBef>
-              <a:spcAft>
-                <a:spcPct val="0"/>
-              </a:spcAft>
-              <a:buClrTx/>
-              <a:buSzTx/>
-              <a:buFontTx/>
-              <a:buNone/>
-              <a:tabLst/>
-            </a:pPr>
-            <a:r>
-              <a:rPr kumimoji="0" lang="en-US" altLang="en-US" sz="1100" b="0" i="0" u="none" strike="noStrike" cap="none" normalizeH="0" baseline="0" dirty="0" smtClean="0">
-                <a:ln>
-                  <a:noFill/>
-                </a:ln>
-                <a:solidFill>
-                  <a:schemeClr val="tx1"/>
-                </a:solidFill>
-                <a:effectLst/>
-                <a:latin typeface="Calibri" pitchFamily="34" charset="0"/>
-                <a:ea typeface="Calibri" pitchFamily="34" charset="0"/>
-                <a:cs typeface="Times New Roman" pitchFamily="18" charset="0"/>
-              </a:rPr>
-              <a:t>Y – Actual (top is 0)</a:t>
-            </a:r>
-            <a:endParaRPr kumimoji="0" lang="en-US" altLang="en-US" sz="800" b="0" i="0" u="none" strike="noStrike" cap="none" normalizeH="0" baseline="0" dirty="0" smtClean="0">
-              <a:ln>
-                <a:noFill/>
-              </a:ln>
-              <a:solidFill>
-                <a:schemeClr val="tx1"/>
-              </a:solidFill>
-              <a:effectLst/>
-              <a:latin typeface="Arial" pitchFamily="34" charset="0"/>
-              <a:cs typeface="Arial" pitchFamily="34" charset="0"/>
-            </a:endParaRPr>
-          </a:p>
-          <a:p>
-            <a:pPr marL="0" marR="0" lvl="0" indent="0" algn="l" defTabSz="914400" rtl="0" eaLnBrk="0" fontAlgn="base" latinLnBrk="0" hangingPunct="0">
-              <a:lnSpc>
-                <a:spcPct val="100000"/>
-              </a:lnSpc>
-              <a:spcBef>
-                <a:spcPct val="0"/>
-              </a:spcBef>
-              <a:spcAft>
-                <a:spcPct val="0"/>
-              </a:spcAft>
-              <a:buClrTx/>
-              <a:buSzTx/>
-              <a:buFontTx/>
-              <a:buNone/>
-              <a:tabLst/>
-            </a:pPr>
-            <a:r>
-              <a:rPr kumimoji="0" lang="en-US" altLang="en-US" sz="1100" b="0" i="0" u="none" strike="noStrike" cap="none" normalizeH="0" baseline="0" dirty="0" smtClean="0">
-                <a:ln>
-                  <a:noFill/>
-                </a:ln>
-                <a:solidFill>
-                  <a:schemeClr val="tx1"/>
-                </a:solidFill>
-                <a:effectLst/>
-                <a:latin typeface="Calibri" pitchFamily="34" charset="0"/>
-                <a:ea typeface="Calibri" pitchFamily="34" charset="0"/>
-                <a:cs typeface="Times New Roman" pitchFamily="18" charset="0"/>
-              </a:rPr>
-              <a:t>Combined</a:t>
-            </a:r>
-            <a:endParaRPr kumimoji="0" lang="en-US" altLang="en-US" sz="800" b="0" i="0" u="none" strike="noStrike" cap="none" normalizeH="0" baseline="0" dirty="0" smtClean="0">
-              <a:ln>
-                <a:noFill/>
-              </a:ln>
-              <a:solidFill>
-                <a:schemeClr val="tx1"/>
-              </a:solidFill>
-              <a:effectLst/>
-              <a:latin typeface="Arial" pitchFamily="34" charset="0"/>
-              <a:cs typeface="Arial" pitchFamily="34" charset="0"/>
-            </a:endParaRPr>
-          </a:p>
-          <a:p>
-            <a:pPr marL="0" marR="0" lvl="0" indent="0" algn="l" defTabSz="914400" rtl="0" eaLnBrk="0" fontAlgn="base" latinLnBrk="0" hangingPunct="0">
-              <a:lnSpc>
-                <a:spcPct val="100000"/>
-              </a:lnSpc>
-              <a:spcBef>
-                <a:spcPct val="0"/>
-              </a:spcBef>
-              <a:spcAft>
-                <a:spcPct val="0"/>
-              </a:spcAft>
-              <a:buClrTx/>
-              <a:buSzTx/>
-              <a:buFontTx/>
-              <a:buNone/>
-              <a:tabLst/>
-            </a:pPr>
-            <a:endParaRPr kumimoji="0" lang="en-US" altLang="en-US" sz="1800" b="0" i="0" u="none" strike="noStrike" cap="none" normalizeH="0" baseline="0" dirty="0" smtClean="0">
-              <a:ln>
-                <a:noFill/>
-              </a:ln>
-              <a:solidFill>
-                <a:schemeClr val="tx1"/>
-              </a:solidFill>
-              <a:effectLst/>
-              <a:latin typeface="Arial" pitchFamily="34" charset="0"/>
-              <a:cs typeface="Arial" pitchFamily="34" charset="0"/>
-            </a:endParaRPr>
-          </a:p>
-        </p:txBody>
-      </p:sp>
-      <p:sp>
-        <p:nvSpPr>
-          <p:cNvPr id="6" name="Rectangle 5"/>
-          <p:cNvSpPr/>
+            <a:pPr algn="ctr"/>
+            <a:r>
+              <a:rPr lang="en-US" dirty="0" smtClean="0"/>
+              <a:t>SVC</a:t>
+            </a:r>
+            <a:endParaRPr lang="en-US" dirty="0"/>
+          </a:p>
+        </p:txBody>
+      </p:sp>
+      <p:sp>
+        <p:nvSpPr>
+          <p:cNvPr id="11" name="TextBox 10"/>
+          <p:cNvSpPr txBox="1"/>
           <p:nvPr/>
         </p:nvSpPr>
         <p:spPr>
           <a:xfrm>
-            <a:off x="1306471" y="4191000"/>
-            <a:ext cx="1148071" cy="369332"/>
+            <a:off x="197707" y="1307928"/>
+            <a:ext cx="3933825" cy="381000"/>
           </a:xfrm>
           <a:prstGeom prst="rect">
             <a:avLst/>
           </a:prstGeom>
-        </p:spPr>
-        <p:txBody>
-          <a:bodyPr wrap="none">
+          <a:noFill/>
+        </p:spPr>
+        <p:txBody>
+          <a:bodyPr wrap="square" rtlCol="0">
             <a:spAutoFit/>
           </a:bodyPr>
           <a:lstStyle/>
           <a:p>
-            <a:pPr lvl="0" eaLnBrk="0" fontAlgn="base" hangingPunct="0">
-              <a:spcBef>
-                <a:spcPct val="0"/>
-              </a:spcBef>
-              <a:spcAft>
-                <a:spcPct val="0"/>
-              </a:spcAft>
-            </a:pPr>
-            <a:r>
-              <a:rPr kumimoji="0" lang="en-US" altLang="en-US" b="0" i="0" u="none" strike="noStrike" cap="none" normalizeH="0" baseline="0" dirty="0" smtClean="0">
-                <a:ln>
-                  <a:noFill/>
-                </a:ln>
-                <a:solidFill>
-                  <a:schemeClr val="tx1"/>
-                </a:solidFill>
-                <a:effectLst/>
-                <a:latin typeface="Calibri" pitchFamily="34" charset="0"/>
-                <a:ea typeface="Calibri" pitchFamily="34" charset="0"/>
-                <a:cs typeface="Times New Roman" pitchFamily="18" charset="0"/>
-              </a:rPr>
-              <a:t>Combined</a:t>
-            </a:r>
-            <a:endParaRPr kumimoji="0" lang="en-US" altLang="en-US" sz="1100" b="0" i="0" u="none" strike="noStrike" cap="none" normalizeH="0" baseline="0" dirty="0" smtClean="0">
-              <a:ln>
-                <a:noFill/>
-              </a:ln>
-              <a:solidFill>
-                <a:schemeClr val="tx1"/>
-              </a:solidFill>
-              <a:effectLst/>
-              <a:latin typeface="Arial" pitchFamily="34" charset="0"/>
-              <a:cs typeface="Arial" pitchFamily="34" charset="0"/>
-            </a:endParaRPr>
-          </a:p>
-        </p:txBody>
-      </p:sp>
-      <p:sp>
-        <p:nvSpPr>
-          <p:cNvPr id="7" name="Rectangle 6"/>
-          <p:cNvSpPr/>
-          <p:nvPr/>
-        </p:nvSpPr>
-        <p:spPr>
-          <a:xfrm>
-            <a:off x="6886329" y="4200525"/>
-            <a:ext cx="838691" cy="369332"/>
-          </a:xfrm>
-          <a:prstGeom prst="rect">
-            <a:avLst/>
-          </a:prstGeom>
-        </p:spPr>
-        <p:txBody>
-          <a:bodyPr wrap="none">
-            <a:spAutoFit/>
-          </a:bodyPr>
-          <a:lstStyle/>
-          <a:p>
-            <a:pPr lvl="0" fontAlgn="base">
-              <a:spcBef>
-                <a:spcPct val="0"/>
-              </a:spcBef>
-              <a:spcAft>
-                <a:spcPct val="0"/>
-              </a:spcAft>
-            </a:pPr>
-            <a:r>
-              <a:rPr kumimoji="0" lang="en-US" altLang="en-US" b="0" i="0" u="none" strike="noStrike" cap="none" normalizeH="0" baseline="0" dirty="0" smtClean="0">
-                <a:ln>
-                  <a:noFill/>
-                </a:ln>
-                <a:solidFill>
-                  <a:schemeClr val="tx1"/>
-                </a:solidFill>
-                <a:effectLst/>
-                <a:latin typeface="Calibri" pitchFamily="34" charset="0"/>
-                <a:ea typeface="Calibri" pitchFamily="34" charset="0"/>
-                <a:cs typeface="Times New Roman" pitchFamily="18" charset="0"/>
-              </a:rPr>
-              <a:t>CNN*4</a:t>
-            </a:r>
-            <a:endParaRPr kumimoji="0" lang="en-US" altLang="en-US" sz="1100" b="0" i="0" u="none" strike="noStrike" cap="none" normalizeH="0" baseline="0" dirty="0" smtClean="0">
-              <a:ln>
-                <a:noFill/>
-              </a:ln>
-              <a:solidFill>
-                <a:schemeClr val="tx1"/>
-              </a:solidFill>
-              <a:effectLst/>
-              <a:latin typeface="Arial" pitchFamily="34" charset="0"/>
-              <a:cs typeface="Arial" pitchFamily="34" charset="0"/>
-            </a:endParaRPr>
+            <a:pPr algn="ctr"/>
+            <a:r>
+              <a:rPr lang="en-US" dirty="0" smtClean="0"/>
+              <a:t>MLP</a:t>
+            </a:r>
+            <a:endParaRPr lang="en-US" dirty="0"/>
           </a:p>
         </p:txBody>
       </p:sp>
     </p:spTree>
     <p:extLst>
       <p:ext uri="{BB962C8B-B14F-4D97-AF65-F5344CB8AC3E}">
-        <p14:creationId xmlns:p14="http://schemas.microsoft.com/office/powerpoint/2010/main" val="4160717309"/>
+        <p14:creationId xmlns:p14="http://schemas.microsoft.com/office/powerpoint/2010/main" val="278362038"/>
       </p:ext>
     </p:extLst>
   </p:cSld>
